--- a/Lending Case Study.pptx
+++ b/Lending Case Study.pptx
@@ -8,6 +8,9 @@
     <p:sldId id="256" r:id="rId2"/>
     <p:sldId id="257" r:id="rId3"/>
     <p:sldId id="258" r:id="rId4"/>
+    <p:sldId id="259" r:id="rId5"/>
+    <p:sldId id="260" r:id="rId6"/>
+    <p:sldId id="261" r:id="rId7"/>
   </p:sldIdLst>
   <p:sldSz cx="12192000" cy="6858000"/>
   <p:notesSz cx="6858000" cy="9144000"/>
@@ -3883,6 +3886,861 @@
 </p:sld>
 </file>
 
+<file path=ppt/slides/slide4.xml><?xml version="1.0" encoding="utf-8"?>
+<p:sld xmlns:a="http://schemas.openxmlformats.org/drawingml/2006/main" xmlns:r="http://schemas.openxmlformats.org/officeDocument/2006/relationships" xmlns:p="http://schemas.openxmlformats.org/presentationml/2006/main">
+  <p:cSld>
+    <p:spTree>
+      <p:nvGrpSpPr>
+        <p:cNvPr id="1" name=""/>
+        <p:cNvGrpSpPr/>
+        <p:nvPr/>
+      </p:nvGrpSpPr>
+      <p:grpSpPr>
+        <a:xfrm>
+          <a:off x="0" y="0"/>
+          <a:ext cx="0" cy="0"/>
+          <a:chOff x="0" y="0"/>
+          <a:chExt cx="0" cy="0"/>
+        </a:xfrm>
+      </p:grpSpPr>
+      <p:sp>
+        <p:nvSpPr>
+          <p:cNvPr id="2" name="Title 1">
+            <a:extLst>
+              <a:ext uri="{FF2B5EF4-FFF2-40B4-BE49-F238E27FC236}">
+                <a16:creationId xmlns:a16="http://schemas.microsoft.com/office/drawing/2014/main" id="{07526B79-BC1C-4A8E-B116-BB5345777B34}"/>
+              </a:ext>
+            </a:extLst>
+          </p:cNvPr>
+          <p:cNvSpPr>
+            <a:spLocks noGrp="1"/>
+          </p:cNvSpPr>
+          <p:nvPr>
+            <p:ph type="ctrTitle"/>
+          </p:nvPr>
+        </p:nvSpPr>
+        <p:spPr>
+          <a:xfrm>
+            <a:off x="68425" y="95995"/>
+            <a:ext cx="9144000" cy="407858"/>
+          </a:xfrm>
+        </p:spPr>
+        <p:txBody>
+          <a:bodyPr>
+            <a:noAutofit/>
+          </a:bodyPr>
+          <a:lstStyle/>
+          <a:p>
+            <a:pPr algn="l"/>
+            <a:r>
+              <a:rPr lang="en-US" sz="2400" dirty="0"/>
+              <a:t>Step 2 – Univariate Analysis</a:t>
+            </a:r>
+          </a:p>
+        </p:txBody>
+      </p:sp>
+      <p:sp>
+        <p:nvSpPr>
+          <p:cNvPr id="3" name="Title 1">
+            <a:extLst>
+              <a:ext uri="{FF2B5EF4-FFF2-40B4-BE49-F238E27FC236}">
+                <a16:creationId xmlns:a16="http://schemas.microsoft.com/office/drawing/2014/main" id="{A4CA7724-CA9C-4C13-A41D-4B1B5FFBA171}"/>
+              </a:ext>
+            </a:extLst>
+          </p:cNvPr>
+          <p:cNvSpPr txBox="1">
+            <a:spLocks/>
+          </p:cNvSpPr>
+          <p:nvPr/>
+        </p:nvSpPr>
+        <p:spPr>
+          <a:xfrm>
+            <a:off x="517321" y="904248"/>
+            <a:ext cx="10396756" cy="3072133"/>
+          </a:xfrm>
+          <a:prstGeom prst="rect">
+            <a:avLst/>
+          </a:prstGeom>
+        </p:spPr>
+        <p:txBody>
+          <a:bodyPr vert="horz" lIns="91440" tIns="45720" rIns="91440" bIns="45720" rtlCol="0" anchor="b">
+            <a:normAutofit/>
+          </a:bodyPr>
+          <a:lstStyle>
+            <a:lvl1pPr algn="ctr" defTabSz="914400" rtl="0" eaLnBrk="1" latinLnBrk="0" hangingPunct="1">
+              <a:lnSpc>
+                <a:spcPct val="90000"/>
+              </a:lnSpc>
+              <a:spcBef>
+                <a:spcPct val="0"/>
+              </a:spcBef>
+              <a:buNone/>
+              <a:defRPr sz="6000" kern="1200">
+                <a:solidFill>
+                  <a:schemeClr val="tx1"/>
+                </a:solidFill>
+                <a:latin typeface="+mj-lt"/>
+                <a:ea typeface="+mj-ea"/>
+                <a:cs typeface="+mj-cs"/>
+              </a:defRPr>
+            </a:lvl1pPr>
+          </a:lstStyle>
+          <a:p>
+            <a:endParaRPr lang="en-US" dirty="0"/>
+          </a:p>
+        </p:txBody>
+      </p:sp>
+      <p:sp>
+        <p:nvSpPr>
+          <p:cNvPr id="4" name="Title 1">
+            <a:extLst>
+              <a:ext uri="{FF2B5EF4-FFF2-40B4-BE49-F238E27FC236}">
+                <a16:creationId xmlns:a16="http://schemas.microsoft.com/office/drawing/2014/main" id="{7A811944-5832-4BBB-B18E-083622453BF5}"/>
+              </a:ext>
+            </a:extLst>
+          </p:cNvPr>
+          <p:cNvSpPr txBox="1">
+            <a:spLocks/>
+          </p:cNvSpPr>
+          <p:nvPr/>
+        </p:nvSpPr>
+        <p:spPr>
+          <a:xfrm>
+            <a:off x="360727" y="2567030"/>
+            <a:ext cx="9837490" cy="861969"/>
+          </a:xfrm>
+          <a:prstGeom prst="rect">
+            <a:avLst/>
+          </a:prstGeom>
+        </p:spPr>
+        <p:txBody>
+          <a:bodyPr vert="horz" lIns="91440" tIns="45720" rIns="91440" bIns="45720" rtlCol="0" anchor="b">
+            <a:normAutofit/>
+          </a:bodyPr>
+          <a:lstStyle>
+            <a:lvl1pPr algn="ctr" defTabSz="914400" rtl="0" eaLnBrk="1" latinLnBrk="0" hangingPunct="1">
+              <a:lnSpc>
+                <a:spcPct val="90000"/>
+              </a:lnSpc>
+              <a:spcBef>
+                <a:spcPct val="0"/>
+              </a:spcBef>
+              <a:buNone/>
+              <a:defRPr sz="6000" kern="1200">
+                <a:solidFill>
+                  <a:schemeClr val="tx1"/>
+                </a:solidFill>
+                <a:latin typeface="+mj-lt"/>
+                <a:ea typeface="+mj-ea"/>
+                <a:cs typeface="+mj-cs"/>
+              </a:defRPr>
+            </a:lvl1pPr>
+          </a:lstStyle>
+          <a:p>
+            <a:pPr marL="857250" indent="-857250" algn="l">
+              <a:buFont typeface="Arial" panose="020B0604020202020204" pitchFamily="34" charset="0"/>
+              <a:buChar char="•"/>
+            </a:pPr>
+            <a:endParaRPr lang="en-US" sz="1400" dirty="0"/>
+          </a:p>
+        </p:txBody>
+      </p:sp>
+      <p:sp>
+        <p:nvSpPr>
+          <p:cNvPr id="5" name="TextBox 4">
+            <a:extLst>
+              <a:ext uri="{FF2B5EF4-FFF2-40B4-BE49-F238E27FC236}">
+                <a16:creationId xmlns:a16="http://schemas.microsoft.com/office/drawing/2014/main" id="{320B3BC2-46AB-4FB3-8755-6FA3272CB5EC}"/>
+              </a:ext>
+            </a:extLst>
+          </p:cNvPr>
+          <p:cNvSpPr txBox="1"/>
+          <p:nvPr/>
+        </p:nvSpPr>
+        <p:spPr>
+          <a:xfrm>
+            <a:off x="226503" y="904248"/>
+            <a:ext cx="11090246" cy="1415772"/>
+          </a:xfrm>
+          <a:prstGeom prst="rect">
+            <a:avLst/>
+          </a:prstGeom>
+          <a:noFill/>
+        </p:spPr>
+        <p:txBody>
+          <a:bodyPr wrap="square" rtlCol="0">
+            <a:spAutoFit/>
+          </a:bodyPr>
+          <a:lstStyle/>
+          <a:p>
+            <a:pPr marL="285750" indent="-285750">
+              <a:buFont typeface="Arial" panose="020B0604020202020204" pitchFamily="34" charset="0"/>
+              <a:buChar char="•"/>
+            </a:pPr>
+            <a:r>
+              <a:rPr lang="en-US" sz="2400" dirty="0"/>
+              <a:t>Performed the univariate analysis on various Categorical variables like term, grade, sub-grade, </a:t>
+            </a:r>
+            <a:r>
+              <a:rPr lang="en-US" sz="2400" dirty="0" err="1"/>
+              <a:t>loan_status</a:t>
+            </a:r>
+            <a:r>
+              <a:rPr lang="en-US" sz="2400" dirty="0"/>
+              <a:t>, </a:t>
+            </a:r>
+            <a:r>
+              <a:rPr lang="en-US" sz="2400" dirty="0" err="1"/>
+              <a:t>home_ownership</a:t>
+            </a:r>
+            <a:r>
+              <a:rPr lang="en-US" sz="2400" dirty="0"/>
+              <a:t>, verification status </a:t>
+            </a:r>
+            <a:r>
+              <a:rPr lang="en-US" sz="2400" dirty="0" err="1"/>
+              <a:t>etc</a:t>
+            </a:r>
+            <a:r>
+              <a:rPr lang="en-US" sz="2400" dirty="0"/>
+              <a:t> </a:t>
+            </a:r>
+          </a:p>
+          <a:p>
+            <a:pPr marL="285750" indent="-285750">
+              <a:buFont typeface="Arial" panose="020B0604020202020204" pitchFamily="34" charset="0"/>
+              <a:buChar char="•"/>
+            </a:pPr>
+            <a:r>
+              <a:rPr lang="en-US" sz="2400" dirty="0"/>
+              <a:t>Identified the distribution of the variables on histograms.</a:t>
+            </a:r>
+          </a:p>
+          <a:p>
+            <a:pPr marL="285750" indent="-285750">
+              <a:buFont typeface="Arial" panose="020B0604020202020204" pitchFamily="34" charset="0"/>
+              <a:buChar char="•"/>
+            </a:pPr>
+            <a:endParaRPr lang="en-US" sz="1400" dirty="0"/>
+          </a:p>
+        </p:txBody>
+      </p:sp>
+    </p:spTree>
+    <p:extLst>
+      <p:ext uri="{BB962C8B-B14F-4D97-AF65-F5344CB8AC3E}">
+        <p14:creationId xmlns:p14="http://schemas.microsoft.com/office/powerpoint/2010/main" val="3414372402"/>
+      </p:ext>
+    </p:extLst>
+  </p:cSld>
+  <p:clrMapOvr>
+    <a:masterClrMapping/>
+  </p:clrMapOvr>
+</p:sld>
+</file>
+
+<file path=ppt/slides/slide5.xml><?xml version="1.0" encoding="utf-8"?>
+<p:sld xmlns:a="http://schemas.openxmlformats.org/drawingml/2006/main" xmlns:r="http://schemas.openxmlformats.org/officeDocument/2006/relationships" xmlns:p="http://schemas.openxmlformats.org/presentationml/2006/main">
+  <p:cSld>
+    <p:spTree>
+      <p:nvGrpSpPr>
+        <p:cNvPr id="1" name=""/>
+        <p:cNvGrpSpPr/>
+        <p:nvPr/>
+      </p:nvGrpSpPr>
+      <p:grpSpPr>
+        <a:xfrm>
+          <a:off x="0" y="0"/>
+          <a:ext cx="0" cy="0"/>
+          <a:chOff x="0" y="0"/>
+          <a:chExt cx="0" cy="0"/>
+        </a:xfrm>
+      </p:grpSpPr>
+      <p:sp>
+        <p:nvSpPr>
+          <p:cNvPr id="2" name="Title 1">
+            <a:extLst>
+              <a:ext uri="{FF2B5EF4-FFF2-40B4-BE49-F238E27FC236}">
+                <a16:creationId xmlns:a16="http://schemas.microsoft.com/office/drawing/2014/main" id="{07526B79-BC1C-4A8E-B116-BB5345777B34}"/>
+              </a:ext>
+            </a:extLst>
+          </p:cNvPr>
+          <p:cNvSpPr>
+            <a:spLocks noGrp="1"/>
+          </p:cNvSpPr>
+          <p:nvPr>
+            <p:ph type="ctrTitle"/>
+          </p:nvPr>
+        </p:nvSpPr>
+        <p:spPr>
+          <a:xfrm>
+            <a:off x="68425" y="95995"/>
+            <a:ext cx="9144000" cy="407858"/>
+          </a:xfrm>
+        </p:spPr>
+        <p:txBody>
+          <a:bodyPr>
+            <a:noAutofit/>
+          </a:bodyPr>
+          <a:lstStyle/>
+          <a:p>
+            <a:pPr algn="l"/>
+            <a:r>
+              <a:rPr lang="en-US" sz="2400" dirty="0"/>
+              <a:t>Step 3 – Bivariate Analysis</a:t>
+            </a:r>
+          </a:p>
+        </p:txBody>
+      </p:sp>
+      <p:sp>
+        <p:nvSpPr>
+          <p:cNvPr id="3" name="Title 1">
+            <a:extLst>
+              <a:ext uri="{FF2B5EF4-FFF2-40B4-BE49-F238E27FC236}">
+                <a16:creationId xmlns:a16="http://schemas.microsoft.com/office/drawing/2014/main" id="{A4CA7724-CA9C-4C13-A41D-4B1B5FFBA171}"/>
+              </a:ext>
+            </a:extLst>
+          </p:cNvPr>
+          <p:cNvSpPr txBox="1">
+            <a:spLocks/>
+          </p:cNvSpPr>
+          <p:nvPr/>
+        </p:nvSpPr>
+        <p:spPr>
+          <a:xfrm>
+            <a:off x="517321" y="904248"/>
+            <a:ext cx="10396756" cy="3072133"/>
+          </a:xfrm>
+          <a:prstGeom prst="rect">
+            <a:avLst/>
+          </a:prstGeom>
+        </p:spPr>
+        <p:txBody>
+          <a:bodyPr vert="horz" lIns="91440" tIns="45720" rIns="91440" bIns="45720" rtlCol="0" anchor="b">
+            <a:normAutofit/>
+          </a:bodyPr>
+          <a:lstStyle>
+            <a:lvl1pPr algn="ctr" defTabSz="914400" rtl="0" eaLnBrk="1" latinLnBrk="0" hangingPunct="1">
+              <a:lnSpc>
+                <a:spcPct val="90000"/>
+              </a:lnSpc>
+              <a:spcBef>
+                <a:spcPct val="0"/>
+              </a:spcBef>
+              <a:buNone/>
+              <a:defRPr sz="6000" kern="1200">
+                <a:solidFill>
+                  <a:schemeClr val="tx1"/>
+                </a:solidFill>
+                <a:latin typeface="+mj-lt"/>
+                <a:ea typeface="+mj-ea"/>
+                <a:cs typeface="+mj-cs"/>
+              </a:defRPr>
+            </a:lvl1pPr>
+          </a:lstStyle>
+          <a:p>
+            <a:endParaRPr lang="en-US" dirty="0"/>
+          </a:p>
+        </p:txBody>
+      </p:sp>
+      <p:sp>
+        <p:nvSpPr>
+          <p:cNvPr id="4" name="Title 1">
+            <a:extLst>
+              <a:ext uri="{FF2B5EF4-FFF2-40B4-BE49-F238E27FC236}">
+                <a16:creationId xmlns:a16="http://schemas.microsoft.com/office/drawing/2014/main" id="{7A811944-5832-4BBB-B18E-083622453BF5}"/>
+              </a:ext>
+            </a:extLst>
+          </p:cNvPr>
+          <p:cNvSpPr txBox="1">
+            <a:spLocks/>
+          </p:cNvSpPr>
+          <p:nvPr/>
+        </p:nvSpPr>
+        <p:spPr>
+          <a:xfrm>
+            <a:off x="360727" y="2567030"/>
+            <a:ext cx="9837490" cy="861969"/>
+          </a:xfrm>
+          <a:prstGeom prst="rect">
+            <a:avLst/>
+          </a:prstGeom>
+        </p:spPr>
+        <p:txBody>
+          <a:bodyPr vert="horz" lIns="91440" tIns="45720" rIns="91440" bIns="45720" rtlCol="0" anchor="b">
+            <a:normAutofit/>
+          </a:bodyPr>
+          <a:lstStyle>
+            <a:lvl1pPr algn="ctr" defTabSz="914400" rtl="0" eaLnBrk="1" latinLnBrk="0" hangingPunct="1">
+              <a:lnSpc>
+                <a:spcPct val="90000"/>
+              </a:lnSpc>
+              <a:spcBef>
+                <a:spcPct val="0"/>
+              </a:spcBef>
+              <a:buNone/>
+              <a:defRPr sz="6000" kern="1200">
+                <a:solidFill>
+                  <a:schemeClr val="tx1"/>
+                </a:solidFill>
+                <a:latin typeface="+mj-lt"/>
+                <a:ea typeface="+mj-ea"/>
+                <a:cs typeface="+mj-cs"/>
+              </a:defRPr>
+            </a:lvl1pPr>
+          </a:lstStyle>
+          <a:p>
+            <a:pPr marL="857250" indent="-857250" algn="l">
+              <a:buFont typeface="Arial" panose="020B0604020202020204" pitchFamily="34" charset="0"/>
+              <a:buChar char="•"/>
+            </a:pPr>
+            <a:endParaRPr lang="en-US" sz="1400" dirty="0"/>
+          </a:p>
+        </p:txBody>
+      </p:sp>
+      <p:sp>
+        <p:nvSpPr>
+          <p:cNvPr id="5" name="TextBox 4">
+            <a:extLst>
+              <a:ext uri="{FF2B5EF4-FFF2-40B4-BE49-F238E27FC236}">
+                <a16:creationId xmlns:a16="http://schemas.microsoft.com/office/drawing/2014/main" id="{320B3BC2-46AB-4FB3-8755-6FA3272CB5EC}"/>
+              </a:ext>
+            </a:extLst>
+          </p:cNvPr>
+          <p:cNvSpPr txBox="1"/>
+          <p:nvPr/>
+        </p:nvSpPr>
+        <p:spPr>
+          <a:xfrm>
+            <a:off x="226503" y="904248"/>
+            <a:ext cx="11090246" cy="3631763"/>
+          </a:xfrm>
+          <a:prstGeom prst="rect">
+            <a:avLst/>
+          </a:prstGeom>
+          <a:noFill/>
+        </p:spPr>
+        <p:txBody>
+          <a:bodyPr wrap="square" rtlCol="0">
+            <a:spAutoFit/>
+          </a:bodyPr>
+          <a:lstStyle/>
+          <a:p>
+            <a:pPr marL="285750" indent="-285750">
+              <a:buFont typeface="Arial" panose="020B0604020202020204" pitchFamily="34" charset="0"/>
+              <a:buChar char="•"/>
+            </a:pPr>
+            <a:r>
+              <a:rPr lang="en-US" sz="2400" dirty="0"/>
+              <a:t>Performed the Bivariate analysis on various Categorical variables with respect to loan status.</a:t>
+            </a:r>
+          </a:p>
+          <a:p>
+            <a:pPr marL="285750" indent="-285750">
+              <a:buFont typeface="Arial" panose="020B0604020202020204" pitchFamily="34" charset="0"/>
+              <a:buChar char="•"/>
+            </a:pPr>
+            <a:r>
+              <a:rPr lang="en-US" sz="2400" dirty="0"/>
+              <a:t>This analysis provided the guidance on impact of one variable on the other.</a:t>
+            </a:r>
+          </a:p>
+          <a:p>
+            <a:pPr marL="285750" indent="-285750">
+              <a:buFont typeface="Arial" panose="020B0604020202020204" pitchFamily="34" charset="0"/>
+              <a:buChar char="•"/>
+            </a:pPr>
+            <a:r>
+              <a:rPr lang="en-US" sz="2400" dirty="0"/>
+              <a:t>As </a:t>
+            </a:r>
+            <a:r>
+              <a:rPr lang="en-US" sz="2400" dirty="0" err="1"/>
+              <a:t>Loan_Status</a:t>
+            </a:r>
+            <a:r>
+              <a:rPr lang="en-US" sz="2400" dirty="0"/>
+              <a:t> is the target variable, so various variable relations are applied on this.</a:t>
+            </a:r>
+          </a:p>
+          <a:p>
+            <a:pPr marL="285750" indent="-285750">
+              <a:buFont typeface="Arial" panose="020B0604020202020204" pitchFamily="34" charset="0"/>
+              <a:buChar char="•"/>
+            </a:pPr>
+            <a:r>
+              <a:rPr lang="en-US" sz="2400" dirty="0"/>
+              <a:t>With the bivariate analysis, below are the findings – </a:t>
+            </a:r>
+          </a:p>
+          <a:p>
+            <a:pPr marL="742950" lvl="1" indent="-285750">
+              <a:buFont typeface="Arial" panose="020B0604020202020204" pitchFamily="34" charset="0"/>
+              <a:buChar char="•"/>
+            </a:pPr>
+            <a:r>
+              <a:rPr lang="en-US" sz="2400" dirty="0"/>
+              <a:t>Grade F and Sub-grade F categories are more defaulters</a:t>
+            </a:r>
+          </a:p>
+          <a:p>
+            <a:pPr marL="742950" lvl="1" indent="-285750">
+              <a:buFont typeface="Arial" panose="020B0604020202020204" pitchFamily="34" charset="0"/>
+              <a:buChar char="•"/>
+            </a:pPr>
+            <a:r>
+              <a:rPr lang="en-US" sz="2400" dirty="0"/>
+              <a:t>More interest rate has more defaulters</a:t>
+            </a:r>
+          </a:p>
+          <a:p>
+            <a:pPr lvl="1"/>
+            <a:endParaRPr lang="en-US" sz="2400" dirty="0"/>
+          </a:p>
+          <a:p>
+            <a:pPr marL="742950" lvl="1" indent="-285750">
+              <a:buFont typeface="Arial" panose="020B0604020202020204" pitchFamily="34" charset="0"/>
+              <a:buChar char="•"/>
+            </a:pPr>
+            <a:endParaRPr lang="en-US" sz="2400" dirty="0"/>
+          </a:p>
+          <a:p>
+            <a:pPr marL="285750" indent="-285750">
+              <a:buFont typeface="Arial" panose="020B0604020202020204" pitchFamily="34" charset="0"/>
+              <a:buChar char="•"/>
+            </a:pPr>
+            <a:endParaRPr lang="en-US" sz="1400" dirty="0"/>
+          </a:p>
+        </p:txBody>
+      </p:sp>
+    </p:spTree>
+    <p:extLst>
+      <p:ext uri="{BB962C8B-B14F-4D97-AF65-F5344CB8AC3E}">
+        <p14:creationId xmlns:p14="http://schemas.microsoft.com/office/powerpoint/2010/main" val="1043752701"/>
+      </p:ext>
+    </p:extLst>
+  </p:cSld>
+  <p:clrMapOvr>
+    <a:masterClrMapping/>
+  </p:clrMapOvr>
+</p:sld>
+</file>
+
+<file path=ppt/slides/slide6.xml><?xml version="1.0" encoding="utf-8"?>
+<p:sld xmlns:a="http://schemas.openxmlformats.org/drawingml/2006/main" xmlns:r="http://schemas.openxmlformats.org/officeDocument/2006/relationships" xmlns:p="http://schemas.openxmlformats.org/presentationml/2006/main">
+  <p:cSld>
+    <p:spTree>
+      <p:nvGrpSpPr>
+        <p:cNvPr id="1" name=""/>
+        <p:cNvGrpSpPr/>
+        <p:nvPr/>
+      </p:nvGrpSpPr>
+      <p:grpSpPr>
+        <a:xfrm>
+          <a:off x="0" y="0"/>
+          <a:ext cx="0" cy="0"/>
+          <a:chOff x="0" y="0"/>
+          <a:chExt cx="0" cy="0"/>
+        </a:xfrm>
+      </p:grpSpPr>
+      <p:sp>
+        <p:nvSpPr>
+          <p:cNvPr id="2" name="Title 1">
+            <a:extLst>
+              <a:ext uri="{FF2B5EF4-FFF2-40B4-BE49-F238E27FC236}">
+                <a16:creationId xmlns:a16="http://schemas.microsoft.com/office/drawing/2014/main" id="{07526B79-BC1C-4A8E-B116-BB5345777B34}"/>
+              </a:ext>
+            </a:extLst>
+          </p:cNvPr>
+          <p:cNvSpPr>
+            <a:spLocks noGrp="1"/>
+          </p:cNvSpPr>
+          <p:nvPr>
+            <p:ph type="ctrTitle"/>
+          </p:nvPr>
+        </p:nvSpPr>
+        <p:spPr>
+          <a:xfrm>
+            <a:off x="68425" y="95995"/>
+            <a:ext cx="9144000" cy="407858"/>
+          </a:xfrm>
+        </p:spPr>
+        <p:txBody>
+          <a:bodyPr>
+            <a:noAutofit/>
+          </a:bodyPr>
+          <a:lstStyle/>
+          <a:p>
+            <a:pPr algn="l"/>
+            <a:r>
+              <a:rPr lang="en-US" sz="2400" dirty="0"/>
+              <a:t>Step 4 – Correlation Analysis</a:t>
+            </a:r>
+          </a:p>
+        </p:txBody>
+      </p:sp>
+      <p:sp>
+        <p:nvSpPr>
+          <p:cNvPr id="3" name="Title 1">
+            <a:extLst>
+              <a:ext uri="{FF2B5EF4-FFF2-40B4-BE49-F238E27FC236}">
+                <a16:creationId xmlns:a16="http://schemas.microsoft.com/office/drawing/2014/main" id="{A4CA7724-CA9C-4C13-A41D-4B1B5FFBA171}"/>
+              </a:ext>
+            </a:extLst>
+          </p:cNvPr>
+          <p:cNvSpPr txBox="1">
+            <a:spLocks/>
+          </p:cNvSpPr>
+          <p:nvPr/>
+        </p:nvSpPr>
+        <p:spPr>
+          <a:xfrm>
+            <a:off x="517321" y="904248"/>
+            <a:ext cx="10396756" cy="3072133"/>
+          </a:xfrm>
+          <a:prstGeom prst="rect">
+            <a:avLst/>
+          </a:prstGeom>
+        </p:spPr>
+        <p:txBody>
+          <a:bodyPr vert="horz" lIns="91440" tIns="45720" rIns="91440" bIns="45720" rtlCol="0" anchor="b">
+            <a:normAutofit/>
+          </a:bodyPr>
+          <a:lstStyle>
+            <a:lvl1pPr algn="ctr" defTabSz="914400" rtl="0" eaLnBrk="1" latinLnBrk="0" hangingPunct="1">
+              <a:lnSpc>
+                <a:spcPct val="90000"/>
+              </a:lnSpc>
+              <a:spcBef>
+                <a:spcPct val="0"/>
+              </a:spcBef>
+              <a:buNone/>
+              <a:defRPr sz="6000" kern="1200">
+                <a:solidFill>
+                  <a:schemeClr val="tx1"/>
+                </a:solidFill>
+                <a:latin typeface="+mj-lt"/>
+                <a:ea typeface="+mj-ea"/>
+                <a:cs typeface="+mj-cs"/>
+              </a:defRPr>
+            </a:lvl1pPr>
+          </a:lstStyle>
+          <a:p>
+            <a:endParaRPr lang="en-US" dirty="0"/>
+          </a:p>
+        </p:txBody>
+      </p:sp>
+      <p:sp>
+        <p:nvSpPr>
+          <p:cNvPr id="4" name="Title 1">
+            <a:extLst>
+              <a:ext uri="{FF2B5EF4-FFF2-40B4-BE49-F238E27FC236}">
+                <a16:creationId xmlns:a16="http://schemas.microsoft.com/office/drawing/2014/main" id="{7A811944-5832-4BBB-B18E-083622453BF5}"/>
+              </a:ext>
+            </a:extLst>
+          </p:cNvPr>
+          <p:cNvSpPr txBox="1">
+            <a:spLocks/>
+          </p:cNvSpPr>
+          <p:nvPr/>
+        </p:nvSpPr>
+        <p:spPr>
+          <a:xfrm>
+            <a:off x="360727" y="2567030"/>
+            <a:ext cx="9837490" cy="861969"/>
+          </a:xfrm>
+          <a:prstGeom prst="rect">
+            <a:avLst/>
+          </a:prstGeom>
+        </p:spPr>
+        <p:txBody>
+          <a:bodyPr vert="horz" lIns="91440" tIns="45720" rIns="91440" bIns="45720" rtlCol="0" anchor="b">
+            <a:normAutofit/>
+          </a:bodyPr>
+          <a:lstStyle>
+            <a:lvl1pPr algn="ctr" defTabSz="914400" rtl="0" eaLnBrk="1" latinLnBrk="0" hangingPunct="1">
+              <a:lnSpc>
+                <a:spcPct val="90000"/>
+              </a:lnSpc>
+              <a:spcBef>
+                <a:spcPct val="0"/>
+              </a:spcBef>
+              <a:buNone/>
+              <a:defRPr sz="6000" kern="1200">
+                <a:solidFill>
+                  <a:schemeClr val="tx1"/>
+                </a:solidFill>
+                <a:latin typeface="+mj-lt"/>
+                <a:ea typeface="+mj-ea"/>
+                <a:cs typeface="+mj-cs"/>
+              </a:defRPr>
+            </a:lvl1pPr>
+          </a:lstStyle>
+          <a:p>
+            <a:pPr marL="857250" indent="-857250" algn="l">
+              <a:buFont typeface="Arial" panose="020B0604020202020204" pitchFamily="34" charset="0"/>
+              <a:buChar char="•"/>
+            </a:pPr>
+            <a:endParaRPr lang="en-US" sz="1400" dirty="0"/>
+          </a:p>
+        </p:txBody>
+      </p:sp>
+      <p:sp>
+        <p:nvSpPr>
+          <p:cNvPr id="5" name="TextBox 4">
+            <a:extLst>
+              <a:ext uri="{FF2B5EF4-FFF2-40B4-BE49-F238E27FC236}">
+                <a16:creationId xmlns:a16="http://schemas.microsoft.com/office/drawing/2014/main" id="{320B3BC2-46AB-4FB3-8755-6FA3272CB5EC}"/>
+              </a:ext>
+            </a:extLst>
+          </p:cNvPr>
+          <p:cNvSpPr txBox="1"/>
+          <p:nvPr/>
+        </p:nvSpPr>
+        <p:spPr>
+          <a:xfrm>
+            <a:off x="226503" y="904248"/>
+            <a:ext cx="11090246" cy="3631763"/>
+          </a:xfrm>
+          <a:prstGeom prst="rect">
+            <a:avLst/>
+          </a:prstGeom>
+          <a:noFill/>
+        </p:spPr>
+        <p:txBody>
+          <a:bodyPr wrap="square" rtlCol="0">
+            <a:spAutoFit/>
+          </a:bodyPr>
+          <a:lstStyle/>
+          <a:p>
+            <a:pPr marL="285750" indent="-285750">
+              <a:buFont typeface="Arial" panose="020B0604020202020204" pitchFamily="34" charset="0"/>
+              <a:buChar char="•"/>
+            </a:pPr>
+            <a:r>
+              <a:rPr lang="en-US" sz="2400" dirty="0"/>
+              <a:t>Performed the Correlation analysis on various numerical values to understand the relationships.</a:t>
+            </a:r>
+          </a:p>
+          <a:p>
+            <a:pPr lvl="1">
+              <a:buFont typeface="Arial" panose="020B0604020202020204" pitchFamily="34" charset="0"/>
+              <a:buChar char="•"/>
+            </a:pPr>
+            <a:r>
+              <a:rPr lang="en-US" sz="2400" dirty="0"/>
+              <a:t>Columns </a:t>
+            </a:r>
+            <a:r>
+              <a:rPr lang="en-US" sz="2400" dirty="0" err="1"/>
+              <a:t>loan_amnt</a:t>
+            </a:r>
+            <a:r>
+              <a:rPr lang="en-US" sz="2400" dirty="0"/>
+              <a:t>, </a:t>
+            </a:r>
+            <a:r>
+              <a:rPr lang="en-US" sz="2400" dirty="0" err="1"/>
+              <a:t>funded_amnt</a:t>
+            </a:r>
+            <a:r>
+              <a:rPr lang="en-US" sz="2400" dirty="0"/>
+              <a:t>, </a:t>
+            </a:r>
+            <a:r>
+              <a:rPr lang="en-US" sz="2400" dirty="0" err="1"/>
+              <a:t>funded_amnt_inv</a:t>
+            </a:r>
+            <a:r>
+              <a:rPr lang="en-US" sz="2400" dirty="0"/>
+              <a:t> have same correlation, so keeping </a:t>
+            </a:r>
+            <a:r>
+              <a:rPr lang="en-US" sz="2400" dirty="0" err="1"/>
+              <a:t>loan_amnt</a:t>
+            </a:r>
+            <a:r>
+              <a:rPr lang="en-US" sz="2400" dirty="0"/>
+              <a:t> and delete rest of other columns</a:t>
+            </a:r>
+          </a:p>
+          <a:p>
+            <a:pPr lvl="1">
+              <a:buFont typeface="Arial" panose="020B0604020202020204" pitchFamily="34" charset="0"/>
+              <a:buChar char="•"/>
+            </a:pPr>
+            <a:r>
+              <a:rPr lang="en-US" sz="2400" dirty="0" err="1"/>
+              <a:t>total_pymnt</a:t>
+            </a:r>
+            <a:r>
+              <a:rPr lang="en-US" sz="2400" dirty="0"/>
+              <a:t>, </a:t>
+            </a:r>
+            <a:r>
+              <a:rPr lang="en-US" sz="2400" dirty="0" err="1"/>
+              <a:t>total_pymnt_inv</a:t>
+            </a:r>
+            <a:r>
+              <a:rPr lang="en-US" sz="2400" dirty="0"/>
+              <a:t>, </a:t>
+            </a:r>
+            <a:r>
+              <a:rPr lang="en-US" sz="2400" dirty="0" err="1"/>
+              <a:t>total_rec_prncp</a:t>
+            </a:r>
+            <a:r>
+              <a:rPr lang="en-US" sz="2400" dirty="0"/>
+              <a:t> have same correlation, so keeping only the </a:t>
+            </a:r>
+            <a:r>
+              <a:rPr lang="en-US" sz="2400" dirty="0" err="1"/>
+              <a:t>total_pymt</a:t>
+            </a:r>
+            <a:r>
+              <a:rPr lang="en-US" sz="2400" dirty="0"/>
+              <a:t> &amp; delete rest of other columns</a:t>
+            </a:r>
+          </a:p>
+          <a:p>
+            <a:pPr marL="285750" indent="-285750">
+              <a:buFont typeface="Arial" panose="020B0604020202020204" pitchFamily="34" charset="0"/>
+              <a:buChar char="•"/>
+            </a:pPr>
+            <a:endParaRPr lang="en-US" sz="2400" dirty="0"/>
+          </a:p>
+          <a:p>
+            <a:pPr lvl="1"/>
+            <a:endParaRPr lang="en-US" sz="2400" dirty="0"/>
+          </a:p>
+          <a:p>
+            <a:pPr marL="742950" lvl="1" indent="-285750">
+              <a:buFont typeface="Arial" panose="020B0604020202020204" pitchFamily="34" charset="0"/>
+              <a:buChar char="•"/>
+            </a:pPr>
+            <a:endParaRPr lang="en-US" sz="2400" dirty="0"/>
+          </a:p>
+          <a:p>
+            <a:pPr marL="285750" indent="-285750">
+              <a:buFont typeface="Arial" panose="020B0604020202020204" pitchFamily="34" charset="0"/>
+              <a:buChar char="•"/>
+            </a:pPr>
+            <a:endParaRPr lang="en-US" sz="1400" dirty="0"/>
+          </a:p>
+        </p:txBody>
+      </p:sp>
+    </p:spTree>
+    <p:extLst>
+      <p:ext uri="{BB962C8B-B14F-4D97-AF65-F5344CB8AC3E}">
+        <p14:creationId xmlns:p14="http://schemas.microsoft.com/office/powerpoint/2010/main" val="82279350"/>
+      </p:ext>
+    </p:extLst>
+  </p:cSld>
+  <p:clrMapOvr>
+    <a:masterClrMapping/>
+  </p:clrMapOvr>
+</p:sld>
+</file>
+
 <file path=ppt/theme/theme1.xml><?xml version="1.0" encoding="utf-8"?>
 <a:theme xmlns:a="http://schemas.openxmlformats.org/drawingml/2006/main" name="Office Theme">
   <a:themeElements>

--- a/Lending Case Study.pptx
+++ b/Lending Case Study.pptx
@@ -11,6 +11,7 @@
     <p:sldId id="259" r:id="rId5"/>
     <p:sldId id="260" r:id="rId6"/>
     <p:sldId id="261" r:id="rId7"/>
+    <p:sldId id="262" r:id="rId8"/>
   </p:sldIdLst>
   <p:sldSz cx="12192000" cy="6858000"/>
   <p:notesSz cx="6858000" cy="9144000"/>
@@ -4741,6 +4742,348 @@
 </p:sld>
 </file>
 
+<file path=ppt/slides/slide7.xml><?xml version="1.0" encoding="utf-8"?>
+<p:sld xmlns:a="http://schemas.openxmlformats.org/drawingml/2006/main" xmlns:r="http://schemas.openxmlformats.org/officeDocument/2006/relationships" xmlns:p="http://schemas.openxmlformats.org/presentationml/2006/main">
+  <p:cSld>
+    <p:spTree>
+      <p:nvGrpSpPr>
+        <p:cNvPr id="1" name=""/>
+        <p:cNvGrpSpPr/>
+        <p:nvPr/>
+      </p:nvGrpSpPr>
+      <p:grpSpPr>
+        <a:xfrm>
+          <a:off x="0" y="0"/>
+          <a:ext cx="0" cy="0"/>
+          <a:chOff x="0" y="0"/>
+          <a:chExt cx="0" cy="0"/>
+        </a:xfrm>
+      </p:grpSpPr>
+      <p:sp>
+        <p:nvSpPr>
+          <p:cNvPr id="2" name="Title 1">
+            <a:extLst>
+              <a:ext uri="{FF2B5EF4-FFF2-40B4-BE49-F238E27FC236}">
+                <a16:creationId xmlns:a16="http://schemas.microsoft.com/office/drawing/2014/main" id="{07526B79-BC1C-4A8E-B116-BB5345777B34}"/>
+              </a:ext>
+            </a:extLst>
+          </p:cNvPr>
+          <p:cNvSpPr>
+            <a:spLocks noGrp="1"/>
+          </p:cNvSpPr>
+          <p:nvPr>
+            <p:ph type="ctrTitle"/>
+          </p:nvPr>
+        </p:nvSpPr>
+        <p:spPr>
+          <a:xfrm>
+            <a:off x="68425" y="95995"/>
+            <a:ext cx="9144000" cy="407858"/>
+          </a:xfrm>
+        </p:spPr>
+        <p:txBody>
+          <a:bodyPr>
+            <a:noAutofit/>
+          </a:bodyPr>
+          <a:lstStyle/>
+          <a:p>
+            <a:pPr algn="l"/>
+            <a:r>
+              <a:rPr lang="en-US" sz="2400" dirty="0"/>
+              <a:t>Step 5 – Final Analysis</a:t>
+            </a:r>
+          </a:p>
+        </p:txBody>
+      </p:sp>
+      <p:sp>
+        <p:nvSpPr>
+          <p:cNvPr id="3" name="Title 1">
+            <a:extLst>
+              <a:ext uri="{FF2B5EF4-FFF2-40B4-BE49-F238E27FC236}">
+                <a16:creationId xmlns:a16="http://schemas.microsoft.com/office/drawing/2014/main" id="{A4CA7724-CA9C-4C13-A41D-4B1B5FFBA171}"/>
+              </a:ext>
+            </a:extLst>
+          </p:cNvPr>
+          <p:cNvSpPr txBox="1">
+            <a:spLocks/>
+          </p:cNvSpPr>
+          <p:nvPr/>
+        </p:nvSpPr>
+        <p:spPr>
+          <a:xfrm>
+            <a:off x="517321" y="904248"/>
+            <a:ext cx="10396756" cy="3072133"/>
+          </a:xfrm>
+          <a:prstGeom prst="rect">
+            <a:avLst/>
+          </a:prstGeom>
+        </p:spPr>
+        <p:txBody>
+          <a:bodyPr vert="horz" lIns="91440" tIns="45720" rIns="91440" bIns="45720" rtlCol="0" anchor="b">
+            <a:normAutofit/>
+          </a:bodyPr>
+          <a:lstStyle>
+            <a:lvl1pPr algn="ctr" defTabSz="914400" rtl="0" eaLnBrk="1" latinLnBrk="0" hangingPunct="1">
+              <a:lnSpc>
+                <a:spcPct val="90000"/>
+              </a:lnSpc>
+              <a:spcBef>
+                <a:spcPct val="0"/>
+              </a:spcBef>
+              <a:buNone/>
+              <a:defRPr sz="6000" kern="1200">
+                <a:solidFill>
+                  <a:schemeClr val="tx1"/>
+                </a:solidFill>
+                <a:latin typeface="+mj-lt"/>
+                <a:ea typeface="+mj-ea"/>
+                <a:cs typeface="+mj-cs"/>
+              </a:defRPr>
+            </a:lvl1pPr>
+          </a:lstStyle>
+          <a:p>
+            <a:endParaRPr lang="en-US" dirty="0"/>
+          </a:p>
+        </p:txBody>
+      </p:sp>
+      <p:sp>
+        <p:nvSpPr>
+          <p:cNvPr id="4" name="Title 1">
+            <a:extLst>
+              <a:ext uri="{FF2B5EF4-FFF2-40B4-BE49-F238E27FC236}">
+                <a16:creationId xmlns:a16="http://schemas.microsoft.com/office/drawing/2014/main" id="{7A811944-5832-4BBB-B18E-083622453BF5}"/>
+              </a:ext>
+            </a:extLst>
+          </p:cNvPr>
+          <p:cNvSpPr txBox="1">
+            <a:spLocks/>
+          </p:cNvSpPr>
+          <p:nvPr/>
+        </p:nvSpPr>
+        <p:spPr>
+          <a:xfrm>
+            <a:off x="360727" y="2567030"/>
+            <a:ext cx="9837490" cy="861969"/>
+          </a:xfrm>
+          <a:prstGeom prst="rect">
+            <a:avLst/>
+          </a:prstGeom>
+        </p:spPr>
+        <p:txBody>
+          <a:bodyPr vert="horz" lIns="91440" tIns="45720" rIns="91440" bIns="45720" rtlCol="0" anchor="b">
+            <a:normAutofit/>
+          </a:bodyPr>
+          <a:lstStyle>
+            <a:lvl1pPr algn="ctr" defTabSz="914400" rtl="0" eaLnBrk="1" latinLnBrk="0" hangingPunct="1">
+              <a:lnSpc>
+                <a:spcPct val="90000"/>
+              </a:lnSpc>
+              <a:spcBef>
+                <a:spcPct val="0"/>
+              </a:spcBef>
+              <a:buNone/>
+              <a:defRPr sz="6000" kern="1200">
+                <a:solidFill>
+                  <a:schemeClr val="tx1"/>
+                </a:solidFill>
+                <a:latin typeface="+mj-lt"/>
+                <a:ea typeface="+mj-ea"/>
+                <a:cs typeface="+mj-cs"/>
+              </a:defRPr>
+            </a:lvl1pPr>
+          </a:lstStyle>
+          <a:p>
+            <a:pPr marL="857250" indent="-857250" algn="l">
+              <a:buFont typeface="Arial" panose="020B0604020202020204" pitchFamily="34" charset="0"/>
+              <a:buChar char="•"/>
+            </a:pPr>
+            <a:endParaRPr lang="en-US" sz="1400" dirty="0"/>
+          </a:p>
+        </p:txBody>
+      </p:sp>
+      <p:sp>
+        <p:nvSpPr>
+          <p:cNvPr id="5" name="TextBox 4">
+            <a:extLst>
+              <a:ext uri="{FF2B5EF4-FFF2-40B4-BE49-F238E27FC236}">
+                <a16:creationId xmlns:a16="http://schemas.microsoft.com/office/drawing/2014/main" id="{320B3BC2-46AB-4FB3-8755-6FA3272CB5EC}"/>
+              </a:ext>
+            </a:extLst>
+          </p:cNvPr>
+          <p:cNvSpPr txBox="1"/>
+          <p:nvPr/>
+        </p:nvSpPr>
+        <p:spPr>
+          <a:xfrm>
+            <a:off x="226503" y="904248"/>
+            <a:ext cx="11090246" cy="2154436"/>
+          </a:xfrm>
+          <a:prstGeom prst="rect">
+            <a:avLst/>
+          </a:prstGeom>
+          <a:noFill/>
+        </p:spPr>
+        <p:txBody>
+          <a:bodyPr wrap="square" rtlCol="0">
+            <a:spAutoFit/>
+          </a:bodyPr>
+          <a:lstStyle/>
+          <a:p>
+            <a:pPr marL="285750" indent="-285750">
+              <a:buFont typeface="Arial" panose="020B0604020202020204" pitchFamily="34" charset="0"/>
+              <a:buChar char="•"/>
+            </a:pPr>
+            <a:r>
+              <a:rPr lang="en-US" sz="2400" i="0" dirty="0">
+                <a:solidFill>
+                  <a:srgbClr val="000000"/>
+                </a:solidFill>
+                <a:effectLst/>
+                <a:latin typeface="Helvetica Neue"/>
+              </a:rPr>
+              <a:t>It looks like, the target variable "</a:t>
+            </a:r>
+            <a:r>
+              <a:rPr lang="en-US" sz="2400" i="0" dirty="0" err="1">
+                <a:solidFill>
+                  <a:srgbClr val="000000"/>
+                </a:solidFill>
+                <a:effectLst/>
+                <a:latin typeface="Helvetica Neue"/>
+              </a:rPr>
+              <a:t>Loan_status</a:t>
+            </a:r>
+            <a:r>
+              <a:rPr lang="en-US" sz="2400" i="0" dirty="0">
+                <a:solidFill>
+                  <a:srgbClr val="000000"/>
+                </a:solidFill>
+                <a:effectLst/>
+                <a:latin typeface="Helvetica Neue"/>
+              </a:rPr>
+              <a:t>" is impacted with the below mentioned fields or </a:t>
+            </a:r>
+            <a:r>
+              <a:rPr lang="en-US" sz="2400" i="0" dirty="0" err="1">
+                <a:solidFill>
+                  <a:srgbClr val="000000"/>
+                </a:solidFill>
+                <a:effectLst/>
+                <a:latin typeface="Helvetica Neue"/>
+              </a:rPr>
+              <a:t>vairables</a:t>
+            </a:r>
+            <a:r>
+              <a:rPr lang="en-US" sz="2400" i="0" dirty="0">
+                <a:solidFill>
+                  <a:srgbClr val="000000"/>
+                </a:solidFill>
+                <a:effectLst/>
+                <a:latin typeface="Helvetica Neue"/>
+              </a:rPr>
+              <a:t>.</a:t>
+            </a:r>
+          </a:p>
+          <a:p>
+            <a:pPr marL="742950" lvl="1" indent="-285750">
+              <a:buFont typeface="Arial" panose="020B0604020202020204" pitchFamily="34" charset="0"/>
+              <a:buChar char="•"/>
+            </a:pPr>
+            <a:r>
+              <a:rPr lang="en-US" sz="2400" b="0" i="0" dirty="0">
+                <a:solidFill>
+                  <a:srgbClr val="000000"/>
+                </a:solidFill>
+                <a:effectLst/>
+                <a:latin typeface="Helvetica Neue"/>
+              </a:rPr>
+              <a:t>term, grade, </a:t>
+            </a:r>
+            <a:r>
+              <a:rPr lang="en-US" sz="2400" b="0" i="0" dirty="0" err="1">
+                <a:solidFill>
+                  <a:srgbClr val="000000"/>
+                </a:solidFill>
+                <a:effectLst/>
+                <a:latin typeface="Helvetica Neue"/>
+              </a:rPr>
+              <a:t>revol_util</a:t>
+            </a:r>
+            <a:r>
+              <a:rPr lang="en-US" sz="2400" b="0" i="0" dirty="0">
+                <a:solidFill>
+                  <a:srgbClr val="000000"/>
+                </a:solidFill>
+                <a:effectLst/>
+                <a:latin typeface="Helvetica Neue"/>
+              </a:rPr>
+              <a:t>, </a:t>
+            </a:r>
+            <a:r>
+              <a:rPr lang="en-US" sz="2400" b="0" i="0" dirty="0" err="1">
+                <a:solidFill>
+                  <a:srgbClr val="000000"/>
+                </a:solidFill>
+                <a:effectLst/>
+                <a:latin typeface="Helvetica Neue"/>
+              </a:rPr>
+              <a:t>int_rate</a:t>
+            </a:r>
+            <a:r>
+              <a:rPr lang="en-US" sz="2400" b="0" i="0" dirty="0">
+                <a:solidFill>
+                  <a:srgbClr val="000000"/>
+                </a:solidFill>
+                <a:effectLst/>
+                <a:latin typeface="Helvetica Neue"/>
+              </a:rPr>
+              <a:t>, installment, </a:t>
+            </a:r>
+            <a:r>
+              <a:rPr lang="en-US" sz="2400" b="0" i="0" dirty="0" err="1">
+                <a:solidFill>
+                  <a:srgbClr val="000000"/>
+                </a:solidFill>
+                <a:effectLst/>
+                <a:latin typeface="Helvetica Neue"/>
+              </a:rPr>
+              <a:t>annual_inc</a:t>
+            </a:r>
+            <a:endParaRPr lang="en-US" sz="2400" dirty="0"/>
+          </a:p>
+          <a:p>
+            <a:pPr lvl="1"/>
+            <a:endParaRPr lang="en-US" sz="2400" dirty="0"/>
+          </a:p>
+          <a:p>
+            <a:pPr marL="742950" lvl="1" indent="-285750">
+              <a:buFont typeface="Arial" panose="020B0604020202020204" pitchFamily="34" charset="0"/>
+              <a:buChar char="•"/>
+            </a:pPr>
+            <a:endParaRPr lang="en-US" sz="2400" dirty="0"/>
+          </a:p>
+          <a:p>
+            <a:pPr marL="285750" indent="-285750">
+              <a:buFont typeface="Arial" panose="020B0604020202020204" pitchFamily="34" charset="0"/>
+              <a:buChar char="•"/>
+            </a:pPr>
+            <a:endParaRPr lang="en-US" sz="1400" dirty="0"/>
+          </a:p>
+        </p:txBody>
+      </p:sp>
+    </p:spTree>
+    <p:extLst>
+      <p:ext uri="{BB962C8B-B14F-4D97-AF65-F5344CB8AC3E}">
+        <p14:creationId xmlns:p14="http://schemas.microsoft.com/office/powerpoint/2010/main" val="4130345885"/>
+      </p:ext>
+    </p:extLst>
+  </p:cSld>
+  <p:clrMapOvr>
+    <a:masterClrMapping/>
+  </p:clrMapOvr>
+</p:sld>
+</file>
+
 <file path=ppt/theme/theme1.xml><?xml version="1.0" encoding="utf-8"?>
 <a:theme xmlns:a="http://schemas.openxmlformats.org/drawingml/2006/main" name="Office Theme">
   <a:themeElements>

--- a/Lending Case Study.pptx
+++ b/Lending Case Study.pptx
@@ -3542,7 +3542,7 @@
         <p:spPr>
           <a:xfrm>
             <a:off x="147464" y="873973"/>
-            <a:ext cx="8985922" cy="1785104"/>
+            <a:ext cx="11026672" cy="4001095"/>
           </a:xfrm>
           <a:prstGeom prst="rect">
             <a:avLst/>
@@ -3598,6 +3598,59 @@
               <a:t>Loan_Status</a:t>
             </a:r>
             <a:endParaRPr lang="en-US" sz="2400" dirty="0"/>
+          </a:p>
+          <a:p>
+            <a:pPr marL="285750" indent="-285750">
+              <a:buFont typeface="Arial" panose="020B0604020202020204" pitchFamily="34" charset="0"/>
+              <a:buChar char="•"/>
+            </a:pPr>
+            <a:r>
+              <a:rPr lang="en-US" sz="2400" dirty="0"/>
+              <a:t>Feature Distribution </a:t>
+            </a:r>
+          </a:p>
+          <a:p>
+            <a:pPr marL="742950" lvl="1" indent="-285750">
+              <a:buFont typeface="Arial" panose="020B0604020202020204" pitchFamily="34" charset="0"/>
+              <a:buChar char="•"/>
+            </a:pPr>
+            <a:r>
+              <a:rPr lang="en-US" sz="2400" dirty="0"/>
+              <a:t>Loan Variables – The variables associated with the loan. Examples – </a:t>
+            </a:r>
+            <a:r>
+              <a:rPr lang="en-US" sz="2400" dirty="0" err="1"/>
+              <a:t>loan_amnt</a:t>
+            </a:r>
+            <a:r>
+              <a:rPr lang="en-US" sz="2400" dirty="0"/>
+              <a:t>, term, purpose etc..</a:t>
+            </a:r>
+          </a:p>
+          <a:p>
+            <a:pPr marL="742950" lvl="1" indent="-285750">
+              <a:buFont typeface="Arial" panose="020B0604020202020204" pitchFamily="34" charset="0"/>
+              <a:buChar char="•"/>
+            </a:pPr>
+            <a:r>
+              <a:rPr lang="en-US" sz="2400" dirty="0"/>
+              <a:t>Demographic Variables – The variables which define the persona of the borrower. Examples – employment status, zip code, state code, </a:t>
+            </a:r>
+            <a:r>
+              <a:rPr lang="en-US" sz="2400" dirty="0" err="1"/>
+              <a:t>yrs</a:t>
+            </a:r>
+            <a:r>
+              <a:rPr lang="en-US" sz="2400" dirty="0"/>
+              <a:t> in service etc..</a:t>
+            </a:r>
+          </a:p>
+          <a:p>
+            <a:pPr lvl="1"/>
+            <a:r>
+              <a:rPr lang="en-US" sz="2400" dirty="0"/>
+              <a:t> </a:t>
+            </a:r>
           </a:p>
           <a:p>
             <a:pPr marL="285750" indent="-285750">
@@ -3795,7 +3848,7 @@
         <p:spPr>
           <a:xfrm>
             <a:off x="226503" y="904248"/>
-            <a:ext cx="11090246" cy="2154436"/>
+            <a:ext cx="11090246" cy="6217087"/>
           </a:xfrm>
           <a:prstGeom prst="rect">
             <a:avLst/>
@@ -3832,7 +3885,124 @@
             </a:pPr>
             <a:r>
               <a:rPr lang="en-US" sz="2400" dirty="0"/>
-              <a:t>Identified the columns that have all null records &amp; delete those columns</a:t>
+              <a:t>Missing Value treatment - Identified the columns that have all null records &amp; delete those columns</a:t>
+            </a:r>
+          </a:p>
+          <a:p>
+            <a:pPr marL="285750" indent="-285750">
+              <a:buFont typeface="Arial" panose="020B0604020202020204" pitchFamily="34" charset="0"/>
+              <a:buChar char="•"/>
+            </a:pPr>
+            <a:r>
+              <a:rPr lang="en-US" sz="2400" dirty="0"/>
+              <a:t>Unwanted column treatment – Identified the columns adding no value and removed the columns.</a:t>
+            </a:r>
+          </a:p>
+          <a:p>
+            <a:pPr marL="285750" indent="-285750">
+              <a:buFont typeface="Arial" panose="020B0604020202020204" pitchFamily="34" charset="0"/>
+              <a:buChar char="•"/>
+            </a:pPr>
+            <a:r>
+              <a:rPr lang="en-US" sz="2400" dirty="0"/>
+              <a:t>Standardized the data – </a:t>
+            </a:r>
+          </a:p>
+          <a:p>
+            <a:pPr marL="742950" lvl="1" indent="-285750">
+              <a:buFont typeface="Arial" panose="020B0604020202020204" pitchFamily="34" charset="0"/>
+              <a:buChar char="•"/>
+            </a:pPr>
+            <a:r>
+              <a:rPr lang="en-US" sz="2400" dirty="0"/>
+              <a:t>Changed term from string value to </a:t>
+            </a:r>
+            <a:r>
+              <a:rPr lang="en-US" sz="2400" dirty="0" err="1"/>
+              <a:t>interger</a:t>
+            </a:r>
+            <a:r>
+              <a:rPr lang="en-US" sz="2400" dirty="0"/>
+              <a:t> value</a:t>
+            </a:r>
+          </a:p>
+          <a:p>
+            <a:pPr marL="742950" lvl="1" indent="-285750">
+              <a:buFont typeface="Arial" panose="020B0604020202020204" pitchFamily="34" charset="0"/>
+              <a:buChar char="•"/>
+            </a:pPr>
+            <a:r>
+              <a:rPr lang="en-US" sz="2400" dirty="0"/>
+              <a:t>Changed Interest rate, </a:t>
+            </a:r>
+            <a:r>
+              <a:rPr lang="en-US" sz="2400" dirty="0" err="1"/>
+              <a:t>revol_util</a:t>
+            </a:r>
+            <a:r>
+              <a:rPr lang="en-US" sz="2400" dirty="0"/>
+              <a:t> with just </a:t>
+            </a:r>
+            <a:r>
+              <a:rPr lang="en-US" sz="2400" dirty="0" err="1"/>
+              <a:t>interger</a:t>
+            </a:r>
+            <a:r>
+              <a:rPr lang="en-US" sz="2400" dirty="0"/>
+              <a:t> value</a:t>
+            </a:r>
+          </a:p>
+          <a:p>
+            <a:pPr marL="742950" lvl="1" indent="-285750">
+              <a:buFont typeface="Arial" panose="020B0604020202020204" pitchFamily="34" charset="0"/>
+              <a:buChar char="•"/>
+            </a:pPr>
+            <a:endParaRPr lang="en-US" sz="2400" dirty="0"/>
+          </a:p>
+          <a:p>
+            <a:pPr marL="285750" indent="-285750">
+              <a:buFont typeface="Arial" panose="020B0604020202020204" pitchFamily="34" charset="0"/>
+              <a:buChar char="•"/>
+            </a:pPr>
+            <a:r>
+              <a:rPr lang="en-US" sz="2400" dirty="0"/>
+              <a:t>Outlier Treatment – </a:t>
+            </a:r>
+          </a:p>
+          <a:p>
+            <a:pPr marL="742950" lvl="1" indent="-285750">
+              <a:buFont typeface="Arial" panose="020B0604020202020204" pitchFamily="34" charset="0"/>
+              <a:buChar char="•"/>
+            </a:pPr>
+            <a:r>
+              <a:rPr lang="en-US" sz="2400" dirty="0"/>
+              <a:t>Using boxplot and quantile procedures, identified the outlier in </a:t>
+            </a:r>
+            <a:r>
+              <a:rPr lang="en-US" sz="2400" dirty="0" err="1"/>
+              <a:t>annual_inc,open_acc</a:t>
+            </a:r>
+            <a:r>
+              <a:rPr lang="en-US" sz="2400" dirty="0"/>
+              <a:t>, </a:t>
+            </a:r>
+            <a:r>
+              <a:rPr lang="en-US" sz="2400" dirty="0" err="1"/>
+              <a:t>total_acc</a:t>
+            </a:r>
+            <a:r>
+              <a:rPr lang="en-US" sz="2400" dirty="0"/>
+              <a:t>. </a:t>
+            </a:r>
+          </a:p>
+          <a:p>
+            <a:pPr marL="742950" lvl="1" indent="-285750">
+              <a:buFont typeface="Arial" panose="020B0604020202020204" pitchFamily="34" charset="0"/>
+              <a:buChar char="•"/>
+            </a:pPr>
+            <a:r>
+              <a:rPr lang="en-US" sz="2400" dirty="0"/>
+              <a:t>Removed the outlier values. </a:t>
             </a:r>
           </a:p>
           <a:p>
